--- a/HC12/HC12_EN.pptx
+++ b/HC12/HC12_EN.pptx
@@ -5,17 +5,16 @@
     <p:sldMasterId id="2147483672" r:id="rId1"/>
   </p:sldMasterIdLst>
   <p:notesMasterIdLst>
-    <p:notesMasterId r:id="rId7"/>
+    <p:notesMasterId r:id="rId6"/>
   </p:notesMasterIdLst>
   <p:handoutMasterIdLst>
-    <p:handoutMasterId r:id="rId8"/>
+    <p:handoutMasterId r:id="rId7"/>
   </p:handoutMasterIdLst>
   <p:sldIdLst>
     <p:sldId id="308" r:id="rId2"/>
     <p:sldId id="309" r:id="rId3"/>
     <p:sldId id="312" r:id="rId4"/>
-    <p:sldId id="549" r:id="rId5"/>
-    <p:sldId id="535" r:id="rId6"/>
+    <p:sldId id="314" r:id="rId5"/>
   </p:sldIdLst>
   <p:sldSz cx="12192000" cy="6858000"/>
   <p:notesSz cx="6669088" cy="9753600"/>
@@ -223,7 +222,7 @@
           <a:p>
             <a:fld id="{E7C94BC4-5B77-4BEA-AE10-D37FB4958CB3}" type="datetimeFigureOut">
               <a:rPr lang="en-US" smtClean="0"/>
-              <a:t>5/30/2022</a:t>
+              <a:t>5/22/2025</a:t>
             </a:fld>
             <a:endParaRPr lang="en-US" dirty="0"/>
           </a:p>
@@ -388,7 +387,7 @@
           <a:p>
             <a:fld id="{3D057A1C-535D-42DB-8B7E-CBD05FB93862}" type="datetimeFigureOut">
               <a:rPr lang="en-US" smtClean="0"/>
-              <a:t>5/30/2022</a:t>
+              <a:t>5/22/2025</a:t>
             </a:fld>
             <a:endParaRPr lang="en-US" dirty="0"/>
           </a:p>
@@ -960,7 +959,7 @@
           <a:bodyPr/>
           <a:lstStyle/>
           <a:p>
-            <a:endParaRPr lang="en-US" dirty="0"/>
+            <a:endParaRPr lang="en-US"/>
           </a:p>
         </p:txBody>
       </p:sp>
@@ -979,18 +978,18 @@
           <a:bodyPr/>
           <a:lstStyle/>
           <a:p>
-            <a:fld id="{63D7B632-1023-4B23-839C-F4EE98A23C2A}" type="slidenum">
-              <a:rPr lang="nl-NL" smtClean="0"/>
+            <a:fld id="{94AB956B-9FA7-462E-A61C-CFA10349F43B}" type="slidenum">
+              <a:rPr lang="en-US" smtClean="0"/>
               <a:t>4</a:t>
             </a:fld>
-            <a:endParaRPr lang="nl-NL"/>
+            <a:endParaRPr lang="en-US"/>
           </a:p>
         </p:txBody>
       </p:sp>
     </p:spTree>
     <p:extLst>
       <p:ext uri="{BB962C8B-B14F-4D97-AF65-F5344CB8AC3E}">
-        <p14:creationId xmlns:p14="http://schemas.microsoft.com/office/powerpoint/2010/main" val="1076166532"/>
+        <p14:creationId xmlns:p14="http://schemas.microsoft.com/office/powerpoint/2010/main" val="3461409443"/>
       </p:ext>
     </p:extLst>
   </p:cSld>
@@ -1131,7 +1130,7 @@
           <a:p>
             <a:fld id="{986E2E23-4737-4068-B492-9B07C3CD8F58}" type="datetime1">
               <a:rPr lang="en-US" smtClean="0"/>
-              <a:t>5/30/2022</a:t>
+              <a:t>5/22/2025</a:t>
             </a:fld>
             <a:endParaRPr lang="en-US" dirty="0"/>
           </a:p>
@@ -1304,7 +1303,7 @@
           <a:p>
             <a:fld id="{6DA5A22F-107A-4F26-8A60-DF80C645DB5A}" type="datetime1">
               <a:rPr lang="en-US" smtClean="0"/>
-              <a:t>5/30/2022</a:t>
+              <a:t>5/22/2025</a:t>
             </a:fld>
             <a:endParaRPr lang="en-US" dirty="0"/>
           </a:p>
@@ -1487,7 +1486,7 @@
           <a:p>
             <a:fld id="{DC4D2C2E-13EE-4B9D-9A0B-1CC79DC71375}" type="datetime1">
               <a:rPr lang="en-US" smtClean="0"/>
-              <a:t>5/30/2022</a:t>
+              <a:t>5/22/2025</a:t>
             </a:fld>
             <a:endParaRPr lang="en-US" dirty="0"/>
           </a:p>
@@ -1660,7 +1659,7 @@
           <a:p>
             <a:fld id="{1FB9ABB8-D8C5-4453-9539-2483C5E35134}" type="datetime1">
               <a:rPr lang="en-US" smtClean="0"/>
-              <a:t>5/30/2022</a:t>
+              <a:t>5/22/2025</a:t>
             </a:fld>
             <a:endParaRPr lang="en-US" dirty="0"/>
           </a:p>
@@ -1909,7 +1908,7 @@
           <a:p>
             <a:fld id="{11E4B0A4-9314-471C-9FA4-5830A89986D2}" type="datetime1">
               <a:rPr lang="en-US" smtClean="0"/>
-              <a:t>5/30/2022</a:t>
+              <a:t>5/22/2025</a:t>
             </a:fld>
             <a:endParaRPr lang="en-US" dirty="0"/>
           </a:p>
@@ -2144,7 +2143,7 @@
           <a:p>
             <a:fld id="{59857C14-7670-46F6-ABCE-14870685BADF}" type="datetime1">
               <a:rPr lang="en-US" smtClean="0"/>
-              <a:t>5/30/2022</a:t>
+              <a:t>5/22/2025</a:t>
             </a:fld>
             <a:endParaRPr lang="en-US" dirty="0"/>
           </a:p>
@@ -2514,7 +2513,7 @@
           <a:p>
             <a:fld id="{9D57C8AF-ED66-4F9B-876D-D1040CBC1C79}" type="datetime1">
               <a:rPr lang="en-US" smtClean="0"/>
-              <a:t>5/30/2022</a:t>
+              <a:t>5/22/2025</a:t>
             </a:fld>
             <a:endParaRPr lang="en-US" dirty="0"/>
           </a:p>
@@ -2635,7 +2634,7 @@
           <a:p>
             <a:fld id="{447A8EC4-B0DB-4DA9-8D34-638DF82DCCA3}" type="datetime1">
               <a:rPr lang="en-US" smtClean="0"/>
-              <a:t>5/30/2022</a:t>
+              <a:t>5/22/2025</a:t>
             </a:fld>
             <a:endParaRPr lang="en-US" dirty="0"/>
           </a:p>
@@ -2733,7 +2732,7 @@
           <a:p>
             <a:fld id="{12B7B8A3-9CDA-49B1-8DFE-C88636B4B117}" type="datetime1">
               <a:rPr lang="en-US" smtClean="0"/>
-              <a:t>5/30/2022</a:t>
+              <a:t>5/22/2025</a:t>
             </a:fld>
             <a:endParaRPr lang="en-US" dirty="0"/>
           </a:p>
@@ -3013,7 +3012,7 @@
           <a:p>
             <a:fld id="{A9F47EA9-A09D-4E2F-9ABB-690475C5EBF4}" type="datetime1">
               <a:rPr lang="en-US" smtClean="0"/>
-              <a:t>5/30/2022</a:t>
+              <a:t>5/22/2025</a:t>
             </a:fld>
             <a:endParaRPr lang="en-US" dirty="0"/>
           </a:p>
@@ -3272,7 +3271,7 @@
           <a:p>
             <a:fld id="{14B6B4AE-70F0-4304-8EDF-2BC97C7D3090}" type="datetime1">
               <a:rPr lang="en-US" smtClean="0"/>
-              <a:t>5/30/2022</a:t>
+              <a:t>5/22/2025</a:t>
             </a:fld>
             <a:endParaRPr lang="en-US" dirty="0"/>
           </a:p>
@@ -3488,7 +3487,7 @@
           <a:p>
             <a:fld id="{BD90DFC7-028F-4B0A-B495-719DE117B8BD}" type="datetime1">
               <a:rPr lang="en-US" smtClean="0"/>
-              <a:t>5/30/2022</a:t>
+              <a:t>5/22/2025</a:t>
             </a:fld>
             <a:endParaRPr lang="en-US" dirty="0"/>
           </a:p>
@@ -4290,7 +4289,7 @@
             </p:spPr>
             <p:txBody>
               <a:bodyPr>
-                <a:normAutofit lnSpcReduction="10000"/>
+                <a:normAutofit/>
               </a:bodyPr>
               <a:lstStyle/>
               <a:p>
@@ -4336,50 +4335,6 @@
                   <a:latin typeface="Arial" panose="020B0604020202020204" pitchFamily="34" charset="0"/>
                   <a:cs typeface="Arial" panose="020B0604020202020204" pitchFamily="34" charset="0"/>
                   <a:sym typeface="Wingdings" panose="05000000000000000000" pitchFamily="2" charset="2"/>
-                </a:endParaRPr>
-              </a:p>
-              <a:p>
-                <a:r>
-                  <a:rPr lang="en-US" sz="2100" noProof="0" dirty="0">
-                    <a:latin typeface="Arial" panose="020B0604020202020204" pitchFamily="34" charset="0"/>
-                    <a:cs typeface="Arial" panose="020B0604020202020204" pitchFamily="34" charset="0"/>
-                  </a:rPr>
-                  <a:t>The grade of the exam determines the grade of the course, and it has to be at least 5.5</a:t>
-                </a:r>
-              </a:p>
-              <a:p>
-                <a:endParaRPr lang="en-US" sz="2100" noProof="0" dirty="0">
-                  <a:latin typeface="Arial" panose="020B0604020202020204" pitchFamily="34" charset="0"/>
-                  <a:cs typeface="Arial" panose="020B0604020202020204" pitchFamily="34" charset="0"/>
-                </a:endParaRPr>
-              </a:p>
-              <a:p>
-                <a:r>
-                  <a:rPr lang="en-US" sz="2100" noProof="0" dirty="0">
-                    <a:latin typeface="Arial" panose="020B0604020202020204" pitchFamily="34" charset="0"/>
-                    <a:cs typeface="Arial" panose="020B0604020202020204" pitchFamily="34" charset="0"/>
-                  </a:rPr>
-                  <a:t>You pass the course if your exam grade is at least a 5.5 </a:t>
-                </a:r>
-                <a:r>
-                  <a:rPr lang="en-US" sz="2100" b="1" noProof="0" dirty="0">
-                    <a:latin typeface="Arial" panose="020B0604020202020204" pitchFamily="34" charset="0"/>
-                    <a:cs typeface="Arial" panose="020B0604020202020204" pitchFamily="34" charset="0"/>
-                  </a:rPr>
-                  <a:t>AND</a:t>
-                </a:r>
-                <a:r>
-                  <a:rPr lang="en-US" sz="2100" noProof="0" dirty="0">
-                    <a:latin typeface="Arial" panose="020B0604020202020204" pitchFamily="34" charset="0"/>
-                    <a:cs typeface="Arial" panose="020B0604020202020204" pitchFamily="34" charset="0"/>
-                  </a:rPr>
-                  <a:t> you passed the SPSS test</a:t>
-                </a:r>
-              </a:p>
-              <a:p>
-                <a:endParaRPr lang="en-US" sz="2100" noProof="0" dirty="0">
-                  <a:latin typeface="Arial" panose="020B0604020202020204" pitchFamily="34" charset="0"/>
-                  <a:cs typeface="Arial" panose="020B0604020202020204" pitchFamily="34" charset="0"/>
                 </a:endParaRPr>
               </a:p>
               <a:p>
@@ -4857,7 +4812,7 @@
               <a:blipFill>
                 <a:blip r:embed="rId3"/>
                 <a:stretch>
-                  <a:fillRect l="-651" t="-1795" r="-1247"/>
+                  <a:fillRect l="-651" t="-1267" r="-1247"/>
                 </a:stretch>
               </a:blipFill>
             </p:spPr>
@@ -4954,26 +4909,589 @@
       </p:grpSpPr>
       <p:sp>
         <p:nvSpPr>
-          <p:cNvPr id="2" name="Title 1"/>
-          <p:cNvSpPr>
-            <a:spLocks noGrp="1"/>
-          </p:cNvSpPr>
-          <p:nvPr>
-            <p:ph type="title"/>
-          </p:nvPr>
-        </p:nvSpPr>
-        <p:spPr/>
+          <p:cNvPr id="3" name="Content Placeholder 2"/>
+          <p:cNvSpPr>
+            <a:spLocks noGrp="1"/>
+          </p:cNvSpPr>
+          <p:nvPr>
+            <p:ph idx="1"/>
+          </p:nvPr>
+        </p:nvSpPr>
+        <p:spPr>
+          <a:xfrm>
+            <a:off x="421239" y="653238"/>
+            <a:ext cx="11239929" cy="5772299"/>
+          </a:xfrm>
+        </p:spPr>
         <p:txBody>
           <a:bodyPr>
             <a:normAutofit/>
           </a:bodyPr>
           <a:lstStyle/>
           <a:p>
-            <a:pPr algn="ctr"/>
-            <a:r>
-              <a:rPr lang="en-US" sz="3200" dirty="0"/>
-              <a:t>ANCOVA: Example</a:t>
-            </a:r>
+            <a:pPr marL="0" indent="0">
+              <a:buNone/>
+            </a:pPr>
+            <a:r>
+              <a:rPr lang="nl-NL" sz="2100" b="1" dirty="0" err="1">
+                <a:latin typeface="Arial" panose="020B0604020202020204" pitchFamily="34" charset="0"/>
+                <a:cs typeface="Arial" panose="020B0604020202020204" pitchFamily="34" charset="0"/>
+              </a:rPr>
+              <a:t>Final</a:t>
+            </a:r>
+            <a:r>
+              <a:rPr lang="nl-NL" sz="2100" b="1" dirty="0">
+                <a:latin typeface="Arial" panose="020B0604020202020204" pitchFamily="34" charset="0"/>
+                <a:cs typeface="Arial" panose="020B0604020202020204" pitchFamily="34" charset="0"/>
+              </a:rPr>
+              <a:t> </a:t>
+            </a:r>
+            <a:r>
+              <a:rPr lang="nl-NL" sz="2100" b="1" dirty="0" err="1">
+                <a:latin typeface="Arial" panose="020B0604020202020204" pitchFamily="34" charset="0"/>
+                <a:cs typeface="Arial" panose="020B0604020202020204" pitchFamily="34" charset="0"/>
+              </a:rPr>
+              <a:t>grade</a:t>
+            </a:r>
+            <a:r>
+              <a:rPr lang="nl-NL" sz="2100" b="1" dirty="0">
+                <a:latin typeface="Arial" panose="020B0604020202020204" pitchFamily="34" charset="0"/>
+                <a:cs typeface="Arial" panose="020B0604020202020204" pitchFamily="34" charset="0"/>
+              </a:rPr>
+              <a:t> </a:t>
+            </a:r>
+            <a:r>
+              <a:rPr lang="nl-NL" sz="2100" b="1" dirty="0" err="1">
+                <a:latin typeface="Arial" panose="020B0604020202020204" pitchFamily="34" charset="0"/>
+                <a:cs typeface="Arial" panose="020B0604020202020204" pitchFamily="34" charset="0"/>
+              </a:rPr>
+              <a:t>Experimental</a:t>
+            </a:r>
+            <a:r>
+              <a:rPr lang="nl-NL" sz="2100" b="1" dirty="0">
+                <a:latin typeface="Arial" panose="020B0604020202020204" pitchFamily="34" charset="0"/>
+                <a:cs typeface="Arial" panose="020B0604020202020204" pitchFamily="34" charset="0"/>
+              </a:rPr>
+              <a:t> Research Methods</a:t>
+            </a:r>
+          </a:p>
+          <a:p>
+            <a:pPr marL="0" indent="0">
+              <a:buNone/>
+            </a:pPr>
+            <a:endParaRPr lang="nl-NL" sz="2100" b="1" dirty="0">
+              <a:latin typeface="Arial" panose="020B0604020202020204" pitchFamily="34" charset="0"/>
+              <a:cs typeface="Arial" panose="020B0604020202020204" pitchFamily="34" charset="0"/>
+            </a:endParaRPr>
+          </a:p>
+          <a:p>
+            <a:pPr marL="0" indent="0" algn="just">
+              <a:buNone/>
+            </a:pPr>
+            <a:r>
+              <a:rPr lang="nl-NL" sz="2100" dirty="0">
+                <a:effectLst/>
+                <a:latin typeface="Calibri" panose="020F0502020204030204" pitchFamily="34" charset="0"/>
+                <a:ea typeface="Times New Roman" panose="02020603050405020304" pitchFamily="18" charset="0"/>
+                <a:cs typeface="Arial" panose="020B0604020202020204" pitchFamily="34" charset="0"/>
+              </a:rPr>
+              <a:t>	</a:t>
+            </a:r>
+            <a:r>
+              <a:rPr lang="pt-BR" sz="2100" dirty="0">
+                <a:effectLst/>
+                <a:latin typeface="Calibri" panose="020F0502020204030204" pitchFamily="34" charset="0"/>
+                <a:ea typeface="Times New Roman" panose="02020603050405020304" pitchFamily="18" charset="0"/>
+                <a:cs typeface="Arial" panose="020B0604020202020204" pitchFamily="34" charset="0"/>
+              </a:rPr>
+              <a:t>If exam grade ≥ tutorial grade </a:t>
+            </a:r>
+            <a:r>
+              <a:rPr lang="pt-BR" sz="2100" dirty="0">
+                <a:effectLst/>
+                <a:latin typeface="Calibri" panose="020F0502020204030204" pitchFamily="34" charset="0"/>
+                <a:ea typeface="Times New Roman" panose="02020603050405020304" pitchFamily="18" charset="0"/>
+                <a:cs typeface="Arial" panose="020B0604020202020204" pitchFamily="34" charset="0"/>
+                <a:sym typeface="Wingdings" panose="05000000000000000000" pitchFamily="2" charset="2"/>
+              </a:rPr>
+              <a:t></a:t>
+            </a:r>
+            <a:r>
+              <a:rPr lang="pt-BR" sz="2100" dirty="0">
+                <a:effectLst/>
+                <a:latin typeface="Calibri" panose="020F0502020204030204" pitchFamily="34" charset="0"/>
+                <a:ea typeface="Times New Roman" panose="02020603050405020304" pitchFamily="18" charset="0"/>
+                <a:cs typeface="Arial" panose="020B0604020202020204" pitchFamily="34" charset="0"/>
+              </a:rPr>
+              <a:t> final grade = exam grade</a:t>
+            </a:r>
+          </a:p>
+          <a:p>
+            <a:pPr marL="0" indent="0" algn="just">
+              <a:buNone/>
+            </a:pPr>
+            <a:endParaRPr lang="pt-BR" sz="2100" dirty="0">
+              <a:effectLst/>
+              <a:latin typeface="Calibri" panose="020F0502020204030204" pitchFamily="34" charset="0"/>
+              <a:ea typeface="Times New Roman" panose="02020603050405020304" pitchFamily="18" charset="0"/>
+              <a:cs typeface="Arial" panose="020B0604020202020204" pitchFamily="34" charset="0"/>
+            </a:endParaRPr>
+          </a:p>
+          <a:p>
+            <a:pPr marL="0" indent="0" algn="just">
+              <a:buNone/>
+            </a:pPr>
+            <a:r>
+              <a:rPr lang="pt-BR" sz="2100" dirty="0">
+                <a:effectLst/>
+                <a:latin typeface="Calibri" panose="020F0502020204030204" pitchFamily="34" charset="0"/>
+                <a:ea typeface="Times New Roman" panose="02020603050405020304" pitchFamily="18" charset="0"/>
+                <a:cs typeface="Arial" panose="020B0604020202020204" pitchFamily="34" charset="0"/>
+              </a:rPr>
+              <a:t>	If exam grade &lt; tutorial grade </a:t>
+            </a:r>
+            <a:r>
+              <a:rPr lang="pt-BR" sz="2100" dirty="0">
+                <a:effectLst/>
+                <a:latin typeface="Calibri" panose="020F0502020204030204" pitchFamily="34" charset="0"/>
+                <a:ea typeface="Times New Roman" panose="02020603050405020304" pitchFamily="18" charset="0"/>
+                <a:cs typeface="Arial" panose="020B0604020202020204" pitchFamily="34" charset="0"/>
+                <a:sym typeface="Wingdings" panose="05000000000000000000" pitchFamily="2" charset="2"/>
+              </a:rPr>
+              <a:t></a:t>
+            </a:r>
+            <a:r>
+              <a:rPr lang="pt-BR" sz="2100" dirty="0">
+                <a:effectLst/>
+                <a:latin typeface="Calibri" panose="020F0502020204030204" pitchFamily="34" charset="0"/>
+                <a:ea typeface="Times New Roman" panose="02020603050405020304" pitchFamily="18" charset="0"/>
+                <a:cs typeface="Arial" panose="020B0604020202020204" pitchFamily="34" charset="0"/>
+              </a:rPr>
+              <a:t> final grade = (3 × exam grade + tutorial grade)/4</a:t>
+            </a:r>
+          </a:p>
+          <a:p>
+            <a:endParaRPr lang="nl-NL" sz="2100" dirty="0">
+              <a:sym typeface="Wingdings" panose="05000000000000000000" pitchFamily="2" charset="2"/>
+            </a:endParaRPr>
+          </a:p>
+          <a:p>
+            <a:r>
+              <a:rPr lang="nl-NL" sz="2100" dirty="0">
+                <a:sym typeface="Wingdings" panose="05000000000000000000" pitchFamily="2" charset="2"/>
+              </a:rPr>
+              <a:t>The tutorial </a:t>
+            </a:r>
+            <a:r>
+              <a:rPr lang="nl-NL" sz="2100" dirty="0" err="1">
+                <a:sym typeface="Wingdings" panose="05000000000000000000" pitchFamily="2" charset="2"/>
+              </a:rPr>
+              <a:t>grade</a:t>
+            </a:r>
+            <a:r>
+              <a:rPr lang="nl-NL" sz="2100" dirty="0">
+                <a:sym typeface="Wingdings" panose="05000000000000000000" pitchFamily="2" charset="2"/>
+              </a:rPr>
+              <a:t> is </a:t>
+            </a:r>
+            <a:r>
+              <a:rPr lang="nl-NL" sz="2100" dirty="0" err="1">
+                <a:sym typeface="Wingdings" panose="05000000000000000000" pitchFamily="2" charset="2"/>
+              </a:rPr>
+              <a:t>computed</a:t>
+            </a:r>
+            <a:r>
+              <a:rPr lang="nl-NL" sz="2100" dirty="0">
+                <a:sym typeface="Wingdings" panose="05000000000000000000" pitchFamily="2" charset="2"/>
+              </a:rPr>
+              <a:t> in </a:t>
+            </a:r>
+            <a:r>
+              <a:rPr lang="nl-NL" sz="2100" dirty="0" err="1">
+                <a:sym typeface="Wingdings" panose="05000000000000000000" pitchFamily="2" charset="2"/>
+              </a:rPr>
+              <a:t>two</a:t>
+            </a:r>
+            <a:r>
+              <a:rPr lang="nl-NL" sz="2100" dirty="0">
+                <a:sym typeface="Wingdings" panose="05000000000000000000" pitchFamily="2" charset="2"/>
+              </a:rPr>
+              <a:t> </a:t>
+            </a:r>
+            <a:r>
+              <a:rPr lang="nl-NL" sz="2100" dirty="0" err="1">
+                <a:sym typeface="Wingdings" panose="05000000000000000000" pitchFamily="2" charset="2"/>
+              </a:rPr>
+              <a:t>ways</a:t>
+            </a:r>
+            <a:r>
+              <a:rPr lang="nl-NL" sz="2100" dirty="0">
+                <a:sym typeface="Wingdings" panose="05000000000000000000" pitchFamily="2" charset="2"/>
+              </a:rPr>
+              <a:t> and </a:t>
+            </a:r>
+            <a:r>
+              <a:rPr lang="nl-NL" sz="2100" dirty="0" err="1">
+                <a:sym typeface="Wingdings" panose="05000000000000000000" pitchFamily="2" charset="2"/>
+              </a:rPr>
+              <a:t>the</a:t>
+            </a:r>
+            <a:r>
+              <a:rPr lang="nl-NL" sz="2100" dirty="0">
+                <a:sym typeface="Wingdings" panose="05000000000000000000" pitchFamily="2" charset="2"/>
+              </a:rPr>
+              <a:t> </a:t>
+            </a:r>
+            <a:r>
+              <a:rPr lang="nl-NL" sz="2100" dirty="0" err="1">
+                <a:sym typeface="Wingdings" panose="05000000000000000000" pitchFamily="2" charset="2"/>
+              </a:rPr>
+              <a:t>highest</a:t>
+            </a:r>
+            <a:r>
+              <a:rPr lang="nl-NL" sz="2100" dirty="0">
+                <a:sym typeface="Wingdings" panose="05000000000000000000" pitchFamily="2" charset="2"/>
+              </a:rPr>
+              <a:t> </a:t>
+            </a:r>
+            <a:r>
+              <a:rPr lang="nl-NL" sz="2100" dirty="0" err="1">
+                <a:sym typeface="Wingdings" panose="05000000000000000000" pitchFamily="2" charset="2"/>
+              </a:rPr>
+              <a:t>grade</a:t>
+            </a:r>
+            <a:r>
+              <a:rPr lang="nl-NL" sz="2100" dirty="0">
+                <a:sym typeface="Wingdings" panose="05000000000000000000" pitchFamily="2" charset="2"/>
+              </a:rPr>
+              <a:t> </a:t>
+            </a:r>
+            <a:r>
+              <a:rPr lang="nl-NL" sz="2100" dirty="0" err="1">
+                <a:sym typeface="Wingdings" panose="05000000000000000000" pitchFamily="2" charset="2"/>
+              </a:rPr>
+              <a:t>will</a:t>
+            </a:r>
+            <a:r>
+              <a:rPr lang="nl-NL" sz="2100" dirty="0">
+                <a:sym typeface="Wingdings" panose="05000000000000000000" pitchFamily="2" charset="2"/>
+              </a:rPr>
+              <a:t> </a:t>
+            </a:r>
+            <a:r>
+              <a:rPr lang="nl-NL" sz="2100" dirty="0" err="1">
+                <a:sym typeface="Wingdings" panose="05000000000000000000" pitchFamily="2" charset="2"/>
+              </a:rPr>
+              <a:t>be</a:t>
+            </a:r>
+            <a:r>
+              <a:rPr lang="nl-NL" sz="2100" dirty="0">
+                <a:sym typeface="Wingdings" panose="05000000000000000000" pitchFamily="2" charset="2"/>
+              </a:rPr>
+              <a:t> </a:t>
+            </a:r>
+            <a:r>
+              <a:rPr lang="nl-NL" sz="2100" dirty="0" err="1">
+                <a:sym typeface="Wingdings" panose="05000000000000000000" pitchFamily="2" charset="2"/>
+              </a:rPr>
+              <a:t>used</a:t>
+            </a:r>
+            <a:r>
+              <a:rPr lang="nl-NL" sz="2100" dirty="0">
+                <a:sym typeface="Wingdings" panose="05000000000000000000" pitchFamily="2" charset="2"/>
+              </a:rPr>
+              <a:t> for computing </a:t>
+            </a:r>
+            <a:r>
+              <a:rPr lang="nl-NL" sz="2100" dirty="0" err="1">
+                <a:sym typeface="Wingdings" panose="05000000000000000000" pitchFamily="2" charset="2"/>
+              </a:rPr>
+              <a:t>the</a:t>
+            </a:r>
+            <a:r>
+              <a:rPr lang="nl-NL" sz="2100" dirty="0">
+                <a:sym typeface="Wingdings" panose="05000000000000000000" pitchFamily="2" charset="2"/>
+              </a:rPr>
+              <a:t> </a:t>
+            </a:r>
+            <a:r>
+              <a:rPr lang="nl-NL" sz="2100" dirty="0" err="1">
+                <a:sym typeface="Wingdings" panose="05000000000000000000" pitchFamily="2" charset="2"/>
+              </a:rPr>
+              <a:t>final</a:t>
+            </a:r>
+            <a:r>
+              <a:rPr lang="nl-NL" sz="2100" dirty="0">
+                <a:sym typeface="Wingdings" panose="05000000000000000000" pitchFamily="2" charset="2"/>
+              </a:rPr>
+              <a:t> </a:t>
+            </a:r>
+            <a:r>
+              <a:rPr lang="nl-NL" sz="2100" dirty="0" err="1">
+                <a:sym typeface="Wingdings" panose="05000000000000000000" pitchFamily="2" charset="2"/>
+              </a:rPr>
+              <a:t>grade</a:t>
+            </a:r>
+            <a:r>
+              <a:rPr lang="nl-NL" sz="2100" dirty="0">
+                <a:sym typeface="Wingdings" panose="05000000000000000000" pitchFamily="2" charset="2"/>
+              </a:rPr>
+              <a:t>. The </a:t>
+            </a:r>
+            <a:r>
+              <a:rPr lang="nl-NL" sz="2100" dirty="0" err="1">
+                <a:sym typeface="Wingdings" panose="05000000000000000000" pitchFamily="2" charset="2"/>
+              </a:rPr>
+              <a:t>average</a:t>
+            </a:r>
+            <a:r>
+              <a:rPr lang="nl-NL" sz="2100" dirty="0">
+                <a:sym typeface="Wingdings" panose="05000000000000000000" pitchFamily="2" charset="2"/>
+              </a:rPr>
+              <a:t> tutorial </a:t>
+            </a:r>
+            <a:r>
+              <a:rPr lang="nl-NL" sz="2100" dirty="0" err="1">
+                <a:sym typeface="Wingdings" panose="05000000000000000000" pitchFamily="2" charset="2"/>
+              </a:rPr>
+              <a:t>grade</a:t>
+            </a:r>
+            <a:r>
+              <a:rPr lang="nl-NL" sz="2100" dirty="0">
+                <a:sym typeface="Wingdings" panose="05000000000000000000" pitchFamily="2" charset="2"/>
+              </a:rPr>
+              <a:t> is </a:t>
+            </a:r>
+            <a:r>
+              <a:rPr lang="nl-NL" sz="2100" dirty="0" err="1">
+                <a:sym typeface="Wingdings" panose="05000000000000000000" pitchFamily="2" charset="2"/>
+              </a:rPr>
+              <a:t>computed</a:t>
+            </a:r>
+            <a:r>
+              <a:rPr lang="nl-NL" sz="2100" dirty="0">
+                <a:sym typeface="Wingdings" panose="05000000000000000000" pitchFamily="2" charset="2"/>
+              </a:rPr>
+              <a:t> </a:t>
+            </a:r>
+            <a:r>
+              <a:rPr lang="nl-NL" sz="2100" dirty="0" err="1">
+                <a:sym typeface="Wingdings" panose="05000000000000000000" pitchFamily="2" charset="2"/>
+              </a:rPr>
+              <a:t>using</a:t>
+            </a:r>
+            <a:r>
+              <a:rPr lang="nl-NL" sz="2100" dirty="0">
+                <a:sym typeface="Wingdings" panose="05000000000000000000" pitchFamily="2" charset="2"/>
+              </a:rPr>
+              <a:t> …</a:t>
+            </a:r>
+          </a:p>
+          <a:p>
+            <a:pPr marL="457200" indent="-457200">
+              <a:buAutoNum type="arabicPeriod"/>
+            </a:pPr>
+            <a:r>
+              <a:rPr lang="nl-NL" sz="2100" dirty="0">
+                <a:sym typeface="Wingdings" panose="05000000000000000000" pitchFamily="2" charset="2"/>
+              </a:rPr>
+              <a:t>… </a:t>
+            </a:r>
+            <a:r>
+              <a:rPr lang="en-US" sz="2100" b="0" i="0" dirty="0">
+                <a:solidFill>
+                  <a:srgbClr val="273540"/>
+                </a:solidFill>
+                <a:effectLst/>
+              </a:rPr>
+              <a:t>the three highest grades of all four tutorial tests</a:t>
+            </a:r>
+          </a:p>
+          <a:p>
+            <a:pPr marL="457200" indent="-457200">
+              <a:buAutoNum type="arabicPeriod"/>
+            </a:pPr>
+            <a:r>
+              <a:rPr lang="en-US" sz="2100" b="0" i="0" dirty="0">
+                <a:solidFill>
+                  <a:srgbClr val="273540"/>
+                </a:solidFill>
+                <a:effectLst/>
+              </a:rPr>
+              <a:t>… the two highest grades of tutorial tests 2, 3, and 4</a:t>
+            </a:r>
+            <a:endParaRPr lang="nl-NL" sz="2100" dirty="0">
+              <a:sym typeface="Wingdings" panose="05000000000000000000" pitchFamily="2" charset="2"/>
+            </a:endParaRPr>
+          </a:p>
+          <a:p>
+            <a:endParaRPr lang="nl-NL" sz="2100" dirty="0">
+              <a:sym typeface="Wingdings" panose="05000000000000000000" pitchFamily="2" charset="2"/>
+            </a:endParaRPr>
+          </a:p>
+          <a:p>
+            <a:r>
+              <a:rPr lang="nl-NL" sz="2100" dirty="0" err="1">
+                <a:sym typeface="Wingdings" panose="05000000000000000000" pitchFamily="2" charset="2"/>
+              </a:rPr>
+              <a:t>You</a:t>
+            </a:r>
+            <a:r>
+              <a:rPr lang="nl-NL" sz="2100" dirty="0">
+                <a:sym typeface="Wingdings" panose="05000000000000000000" pitchFamily="2" charset="2"/>
+              </a:rPr>
+              <a:t> pass </a:t>
+            </a:r>
+            <a:r>
+              <a:rPr lang="nl-NL" sz="2100" dirty="0" err="1">
+                <a:sym typeface="Wingdings" panose="05000000000000000000" pitchFamily="2" charset="2"/>
+              </a:rPr>
+              <a:t>the</a:t>
+            </a:r>
+            <a:r>
+              <a:rPr lang="nl-NL" sz="2100" dirty="0">
+                <a:sym typeface="Wingdings" panose="05000000000000000000" pitchFamily="2" charset="2"/>
+              </a:rPr>
+              <a:t> course </a:t>
+            </a:r>
+            <a:r>
+              <a:rPr lang="nl-NL" sz="2100" dirty="0" err="1">
+                <a:sym typeface="Wingdings" panose="05000000000000000000" pitchFamily="2" charset="2"/>
+              </a:rPr>
+              <a:t>if</a:t>
+            </a:r>
+            <a:r>
+              <a:rPr lang="nl-NL" sz="2100" dirty="0">
+                <a:sym typeface="Wingdings" panose="05000000000000000000" pitchFamily="2" charset="2"/>
+              </a:rPr>
+              <a:t>:</a:t>
+            </a:r>
+          </a:p>
+          <a:p>
+            <a:pPr marL="800100" lvl="1" indent="-342900">
+              <a:buFont typeface="+mj-lt"/>
+              <a:buAutoNum type="arabicPeriod"/>
+            </a:pPr>
+            <a:r>
+              <a:rPr lang="nl-NL" sz="2100" dirty="0">
+                <a:sym typeface="Wingdings" panose="05000000000000000000" pitchFamily="2" charset="2"/>
+              </a:rPr>
+              <a:t>The </a:t>
+            </a:r>
+            <a:r>
+              <a:rPr lang="nl-NL" sz="2100" dirty="0" err="1">
+                <a:sym typeface="Wingdings" panose="05000000000000000000" pitchFamily="2" charset="2"/>
+              </a:rPr>
+              <a:t>final</a:t>
+            </a:r>
+            <a:r>
+              <a:rPr lang="nl-NL" sz="2100" dirty="0">
+                <a:sym typeface="Wingdings" panose="05000000000000000000" pitchFamily="2" charset="2"/>
+              </a:rPr>
+              <a:t> </a:t>
+            </a:r>
+            <a:r>
+              <a:rPr lang="nl-NL" sz="2100" dirty="0" err="1">
+                <a:sym typeface="Wingdings" panose="05000000000000000000" pitchFamily="2" charset="2"/>
+              </a:rPr>
+              <a:t>grade</a:t>
+            </a:r>
+            <a:r>
+              <a:rPr lang="nl-NL" sz="2100" dirty="0">
+                <a:sym typeface="Wingdings" panose="05000000000000000000" pitchFamily="2" charset="2"/>
+              </a:rPr>
+              <a:t> of </a:t>
+            </a:r>
+            <a:r>
+              <a:rPr lang="nl-NL" sz="2100" dirty="0" err="1">
+                <a:sym typeface="Wingdings" panose="05000000000000000000" pitchFamily="2" charset="2"/>
+              </a:rPr>
+              <a:t>the</a:t>
+            </a:r>
+            <a:r>
+              <a:rPr lang="nl-NL" sz="2100" dirty="0">
+                <a:sym typeface="Wingdings" panose="05000000000000000000" pitchFamily="2" charset="2"/>
+              </a:rPr>
+              <a:t> course is at </a:t>
+            </a:r>
+            <a:r>
+              <a:rPr lang="nl-NL" sz="2100" dirty="0" err="1">
+                <a:sym typeface="Wingdings" panose="05000000000000000000" pitchFamily="2" charset="2"/>
+              </a:rPr>
+              <a:t>least</a:t>
+            </a:r>
+            <a:r>
+              <a:rPr lang="nl-NL" sz="2100" dirty="0">
+                <a:sym typeface="Wingdings" panose="05000000000000000000" pitchFamily="2" charset="2"/>
+              </a:rPr>
+              <a:t> a 6</a:t>
+            </a:r>
+          </a:p>
+          <a:p>
+            <a:pPr marL="800100" lvl="1" indent="-342900">
+              <a:buFont typeface="+mj-lt"/>
+              <a:buAutoNum type="arabicPeriod"/>
+            </a:pPr>
+            <a:r>
+              <a:rPr lang="nl-NL" sz="2100" dirty="0" err="1">
+                <a:sym typeface="Wingdings" panose="05000000000000000000" pitchFamily="2" charset="2"/>
+              </a:rPr>
+              <a:t>You</a:t>
+            </a:r>
+            <a:r>
+              <a:rPr lang="nl-NL" sz="2100" dirty="0">
+                <a:sym typeface="Wingdings" panose="05000000000000000000" pitchFamily="2" charset="2"/>
+              </a:rPr>
+              <a:t> pass </a:t>
+            </a:r>
+            <a:r>
+              <a:rPr lang="nl-NL" sz="2100" dirty="0" err="1">
+                <a:sym typeface="Wingdings" panose="05000000000000000000" pitchFamily="2" charset="2"/>
+              </a:rPr>
+              <a:t>the</a:t>
+            </a:r>
+            <a:r>
+              <a:rPr lang="nl-NL" sz="2100" dirty="0">
+                <a:sym typeface="Wingdings" panose="05000000000000000000" pitchFamily="2" charset="2"/>
+              </a:rPr>
+              <a:t> SPSS-test</a:t>
+            </a:r>
+          </a:p>
+          <a:p>
+            <a:pPr marL="0" indent="0">
+              <a:buNone/>
+            </a:pPr>
+            <a:endParaRPr lang="nl-NL" sz="2100" dirty="0">
+              <a:latin typeface="Arial" panose="020B0604020202020204" pitchFamily="34" charset="0"/>
+              <a:cs typeface="Arial" panose="020B0604020202020204" pitchFamily="34" charset="0"/>
+            </a:endParaRPr>
+          </a:p>
+          <a:p>
+            <a:pPr marL="0" indent="0">
+              <a:buNone/>
+            </a:pPr>
+            <a:endParaRPr lang="nl-NL" sz="2100" dirty="0">
+              <a:latin typeface="Arial" panose="020B0604020202020204" pitchFamily="34" charset="0"/>
+              <a:cs typeface="Arial" panose="020B0604020202020204" pitchFamily="34" charset="0"/>
+            </a:endParaRPr>
+          </a:p>
+          <a:p>
+            <a:pPr marL="457200" indent="-457200">
+              <a:buAutoNum type="arabicPeriod"/>
+            </a:pPr>
+            <a:endParaRPr lang="nl-NL" sz="2100" dirty="0">
+              <a:latin typeface="Arial" panose="020B0604020202020204" pitchFamily="34" charset="0"/>
+              <a:cs typeface="Arial" panose="020B0604020202020204" pitchFamily="34" charset="0"/>
+            </a:endParaRPr>
+          </a:p>
+          <a:p>
+            <a:pPr marL="457200" indent="-457200">
+              <a:buAutoNum type="arabicPeriod"/>
+            </a:pPr>
+            <a:endParaRPr lang="nl-NL" sz="2100" dirty="0">
+              <a:latin typeface="Arial" panose="020B0604020202020204" pitchFamily="34" charset="0"/>
+              <a:cs typeface="Arial" panose="020B0604020202020204" pitchFamily="34" charset="0"/>
+            </a:endParaRPr>
           </a:p>
         </p:txBody>
       </p:sp>
@@ -4993,93 +5511,19 @@
           <a:lstStyle/>
           <a:p>
             <a:r>
-              <a:rPr lang="en-US" dirty="0"/>
-              <a:t>Lecture 8, ERM, MTO</a:t>
-            </a:r>
-            <a:endParaRPr lang="nl-NL"/>
-          </a:p>
-        </p:txBody>
-      </p:sp>
-      <p:sp>
-        <p:nvSpPr>
-          <p:cNvPr id="7" name="Content Placeholder 2"/>
-          <p:cNvSpPr>
-            <a:spLocks noGrp="1"/>
-          </p:cNvSpPr>
-          <p:nvPr>
-            <p:ph idx="1"/>
-          </p:nvPr>
-        </p:nvSpPr>
-        <p:spPr>
-          <a:xfrm>
-            <a:off x="757422" y="1394922"/>
-            <a:ext cx="10398258" cy="4961428"/>
-          </a:xfrm>
-        </p:spPr>
-        <p:txBody>
-          <a:bodyPr>
-            <a:normAutofit/>
-          </a:bodyPr>
-          <a:lstStyle/>
-          <a:p>
-            <a:r>
-              <a:rPr lang="en-US" sz="1900" dirty="0"/>
-              <a:t>What are the means in grade when controlling for the covariate Hours?</a:t>
-            </a:r>
-          </a:p>
-          <a:p>
-            <a:pPr marL="0" indent="0">
-              <a:buNone/>
-            </a:pPr>
-            <a:br>
-              <a:rPr lang="en-US" sz="1900" u="sng" dirty="0">
-                <a:sym typeface="Wingdings" panose="05000000000000000000" pitchFamily="2" charset="2"/>
-              </a:rPr>
-            </a:br>
-            <a:r>
-              <a:rPr lang="en-US" sz="1900" dirty="0">
-                <a:sym typeface="Wingdings" panose="05000000000000000000" pitchFamily="2" charset="2"/>
-              </a:rPr>
-              <a:t>	</a:t>
-            </a:r>
-            <a:r>
-              <a:rPr lang="en-US" sz="1900" u="sng" dirty="0">
-                <a:sym typeface="Wingdings" panose="05000000000000000000" pitchFamily="2" charset="2"/>
-              </a:rPr>
-              <a:t>Unadjusted means:</a:t>
-            </a:r>
-            <a:r>
-              <a:rPr lang="en-US" sz="1900" dirty="0">
-                <a:sym typeface="Wingdings" panose="05000000000000000000" pitchFamily="2" charset="2"/>
-              </a:rPr>
-              <a:t> 				         </a:t>
-            </a:r>
-            <a:r>
-              <a:rPr lang="en-US" sz="1900" u="sng" dirty="0">
-                <a:sym typeface="Wingdings" panose="05000000000000000000" pitchFamily="2" charset="2"/>
-              </a:rPr>
-              <a:t>Adjusted means:</a:t>
-            </a:r>
-          </a:p>
-          <a:p>
-            <a:pPr marL="457200" lvl="1" indent="0">
-              <a:buNone/>
-            </a:pPr>
-            <a:endParaRPr lang="en-US" sz="1500" dirty="0"/>
-          </a:p>
-          <a:p>
-            <a:pPr lvl="0"/>
-            <a:endParaRPr lang="en-US" sz="1900" u="sng" dirty="0"/>
-          </a:p>
-          <a:p>
-            <a:pPr lvl="0"/>
-            <a:endParaRPr lang="en-US" sz="1900" u="sng" dirty="0"/>
-          </a:p>
-        </p:txBody>
-      </p:sp>
-      <p:sp>
-        <p:nvSpPr>
-          <p:cNvPr id="18" name="Slide Number Placeholder 17"/>
+              <a:rPr lang="nl-NL" dirty="0" err="1"/>
+              <a:t>Lecture</a:t>
+            </a:r>
+            <a:r>
+              <a:rPr lang="nl-NL" dirty="0"/>
+              <a:t> 12, ERM, MTO</a:t>
+            </a:r>
+          </a:p>
+        </p:txBody>
+      </p:sp>
+      <p:sp>
+        <p:nvSpPr>
+          <p:cNvPr id="5" name="Slide Number Placeholder 4"/>
           <p:cNvSpPr>
             <a:spLocks noGrp="1"/>
           </p:cNvSpPr>
@@ -5092,739 +5536,19 @@
           <a:bodyPr/>
           <a:lstStyle/>
           <a:p>
-            <a:fld id="{769E8580-8357-4286-A896-D8F0D06AAB1A}" type="slidenum">
-              <a:rPr lang="en-US" smtClean="0"/>
+            <a:fld id="{1B037962-0E5D-4310-891B-DC679DA7A3C3}" type="slidenum">
+              <a:rPr lang="nl-NL" smtClean="0"/>
+              <a:pPr/>
               <a:t>4</a:t>
             </a:fld>
-            <a:endParaRPr lang="en-US" dirty="0"/>
-          </a:p>
-        </p:txBody>
-      </p:sp>
-      <p:pic>
-        <p:nvPicPr>
-          <p:cNvPr id="3" name="Picture 2"/>
-          <p:cNvPicPr>
-            <a:picLocks noChangeAspect="1"/>
-          </p:cNvPicPr>
-          <p:nvPr/>
-        </p:nvPicPr>
-        <p:blipFill>
-          <a:blip r:embed="rId3"/>
-          <a:stretch>
-            <a:fillRect/>
-          </a:stretch>
-        </p:blipFill>
-        <p:spPr>
-          <a:xfrm>
-            <a:off x="838200" y="2460149"/>
-            <a:ext cx="3802517" cy="1715770"/>
-          </a:xfrm>
-          <a:prstGeom prst="rect">
-            <a:avLst/>
-          </a:prstGeom>
-        </p:spPr>
-      </p:pic>
-      <p:pic>
-        <p:nvPicPr>
-          <p:cNvPr id="10" name="Picture 9"/>
-          <p:cNvPicPr>
-            <a:picLocks noChangeAspect="1"/>
-          </p:cNvPicPr>
-          <p:nvPr/>
-        </p:nvPicPr>
-        <p:blipFill>
-          <a:blip r:embed="rId4"/>
-          <a:stretch>
-            <a:fillRect/>
-          </a:stretch>
-        </p:blipFill>
-        <p:spPr>
-          <a:xfrm>
-            <a:off x="6192586" y="2387667"/>
-            <a:ext cx="4836025" cy="2159555"/>
-          </a:xfrm>
-          <a:prstGeom prst="rect">
-            <a:avLst/>
-          </a:prstGeom>
-        </p:spPr>
-      </p:pic>
-      <p:pic>
-        <p:nvPicPr>
-          <p:cNvPr id="16" name="Picture 15"/>
-          <p:cNvPicPr>
-            <a:picLocks noChangeAspect="1"/>
-          </p:cNvPicPr>
-          <p:nvPr/>
-        </p:nvPicPr>
-        <p:blipFill>
-          <a:blip r:embed="rId5"/>
-          <a:stretch>
-            <a:fillRect/>
-          </a:stretch>
-        </p:blipFill>
-        <p:spPr>
-          <a:xfrm>
-            <a:off x="5051742" y="4511569"/>
-            <a:ext cx="7117715" cy="2339922"/>
-          </a:xfrm>
-          <a:prstGeom prst="rect">
-            <a:avLst/>
-          </a:prstGeom>
-        </p:spPr>
-      </p:pic>
-      <mc:AlternateContent xmlns:mc="http://schemas.openxmlformats.org/markup-compatibility/2006" xmlns:a14="http://schemas.microsoft.com/office/drawing/2010/main">
-        <mc:Choice Requires="a14">
-          <p:sp>
-            <p:nvSpPr>
-              <p:cNvPr id="19" name="TextBox 18"/>
-              <p:cNvSpPr txBox="1"/>
-              <p:nvPr/>
-            </p:nvSpPr>
-            <p:spPr>
-              <a:xfrm>
-                <a:off x="286702" y="5531504"/>
-                <a:ext cx="4765040" cy="923330"/>
-              </a:xfrm>
-              <a:prstGeom prst="rect">
-                <a:avLst/>
-              </a:prstGeom>
-              <a:noFill/>
-            </p:spPr>
-            <p:txBody>
-              <a:bodyPr wrap="square" rtlCol="0">
-                <a:spAutoFit/>
-              </a:bodyPr>
-              <a:lstStyle/>
-              <a:p>
-                <a:r>
-                  <a:rPr lang="en-US" dirty="0"/>
-                  <a:t>Control: </a:t>
-                </a:r>
-                <a14:m>
-                  <m:oMath xmlns:m="http://schemas.openxmlformats.org/officeDocument/2006/math">
-                    <m:r>
-                      <a:rPr lang="en-US" b="0" i="1" smtClean="0">
-                        <a:latin typeface="Cambria Math" panose="02040503050406030204" pitchFamily="18" charset="0"/>
-                      </a:rPr>
-                      <m:t>−1.267+0.396</m:t>
-                    </m:r>
-                    <m:r>
-                      <a:rPr lang="en-US" b="0" i="1" smtClean="0">
-                        <a:latin typeface="Cambria Math" panose="02040503050406030204" pitchFamily="18" charset="0"/>
-                        <a:ea typeface="Cambria Math" panose="02040503050406030204" pitchFamily="18" charset="0"/>
-                      </a:rPr>
-                      <m:t>×20−0.507=6.146</m:t>
-                    </m:r>
-                  </m:oMath>
-                </a14:m>
-                <a:endParaRPr lang="en-US" dirty="0"/>
-              </a:p>
-              <a:p>
-                <a:endParaRPr lang="en-US" dirty="0"/>
-              </a:p>
-              <a:p>
-                <a:r>
-                  <a:rPr lang="en-US" dirty="0"/>
-                  <a:t>Energy:  </a:t>
-                </a:r>
-                <a14:m>
-                  <m:oMath xmlns:m="http://schemas.openxmlformats.org/officeDocument/2006/math">
-                    <m:r>
-                      <a:rPr lang="en-US" i="1">
-                        <a:latin typeface="Cambria Math" panose="02040503050406030204" pitchFamily="18" charset="0"/>
-                      </a:rPr>
-                      <m:t>−1.267+0.396</m:t>
-                    </m:r>
-                    <m:r>
-                      <a:rPr lang="en-US" i="1">
-                        <a:latin typeface="Cambria Math" panose="02040503050406030204" pitchFamily="18" charset="0"/>
-                        <a:ea typeface="Cambria Math" panose="02040503050406030204" pitchFamily="18" charset="0"/>
-                      </a:rPr>
-                      <m:t>×20=6.</m:t>
-                    </m:r>
-                  </m:oMath>
-                </a14:m>
-                <a:r>
-                  <a:rPr lang="en-US" dirty="0"/>
-                  <a:t>654</a:t>
-                </a:r>
-              </a:p>
-            </p:txBody>
-          </p:sp>
-        </mc:Choice>
-        <mc:Fallback xmlns="">
-          <p:sp>
-            <p:nvSpPr>
-              <p:cNvPr id="19" name="TextBox 18"/>
-              <p:cNvSpPr txBox="1">
-                <a:spLocks noRot="1" noChangeAspect="1" noMove="1" noResize="1" noEditPoints="1" noAdjustHandles="1" noChangeArrowheads="1" noChangeShapeType="1" noTextEdit="1"/>
-              </p:cNvSpPr>
-              <p:nvPr/>
-            </p:nvSpPr>
-            <p:spPr>
-              <a:xfrm>
-                <a:off x="286702" y="5531504"/>
-                <a:ext cx="4765040" cy="923330"/>
-              </a:xfrm>
-              <a:prstGeom prst="rect">
-                <a:avLst/>
-              </a:prstGeom>
-              <a:blipFill>
-                <a:blip r:embed="rId6"/>
-                <a:stretch>
-                  <a:fillRect l="-1023" t="-3289" b="-9211"/>
-                </a:stretch>
-              </a:blipFill>
-            </p:spPr>
-            <p:txBody>
-              <a:bodyPr/>
-              <a:lstStyle/>
-              <a:p>
-                <a:r>
-                  <a:rPr lang="en-US">
-                    <a:noFill/>
-                  </a:rPr>
-                  <a:t> </a:t>
-                </a:r>
-              </a:p>
-            </p:txBody>
-          </p:sp>
-        </mc:Fallback>
-      </mc:AlternateContent>
+            <a:endParaRPr lang="nl-NL"/>
+          </a:p>
+        </p:txBody>
+      </p:sp>
     </p:spTree>
     <p:extLst>
       <p:ext uri="{BB962C8B-B14F-4D97-AF65-F5344CB8AC3E}">
-        <p14:creationId xmlns:p14="http://schemas.microsoft.com/office/powerpoint/2010/main" val="247993493"/>
-      </p:ext>
-    </p:extLst>
-  </p:cSld>
-  <p:clrMapOvr>
-    <a:masterClrMapping/>
-  </p:clrMapOvr>
-</p:sld>
-</file>
-
-<file path=ppt/slides/slide5.xml><?xml version="1.0" encoding="utf-8"?>
-<p:sld xmlns:a="http://schemas.openxmlformats.org/drawingml/2006/main" xmlns:r="http://schemas.openxmlformats.org/officeDocument/2006/relationships" xmlns:p="http://schemas.openxmlformats.org/presentationml/2006/main">
-  <p:cSld>
-    <p:spTree>
-      <p:nvGrpSpPr>
-        <p:cNvPr id="1" name=""/>
-        <p:cNvGrpSpPr/>
-        <p:nvPr/>
-      </p:nvGrpSpPr>
-      <p:grpSpPr>
-        <a:xfrm>
-          <a:off x="0" y="0"/>
-          <a:ext cx="0" cy="0"/>
-          <a:chOff x="0" y="0"/>
-          <a:chExt cx="0" cy="0"/>
-        </a:xfrm>
-      </p:grpSpPr>
-      <p:pic>
-        <p:nvPicPr>
-          <p:cNvPr id="6" name="Picture 5"/>
-          <p:cNvPicPr>
-            <a:picLocks noChangeAspect="1"/>
-          </p:cNvPicPr>
-          <p:nvPr/>
-        </p:nvPicPr>
-        <p:blipFill>
-          <a:blip r:embed="rId2" cstate="print">
-            <a:extLst>
-              <a:ext uri="{28A0092B-C50C-407E-A947-70E740481C1C}">
-                <a14:useLocalDpi xmlns:a14="http://schemas.microsoft.com/office/drawing/2010/main" val="0"/>
-              </a:ext>
-            </a:extLst>
-          </a:blip>
-          <a:stretch>
-            <a:fillRect/>
-          </a:stretch>
-        </p:blipFill>
-        <p:spPr>
-          <a:xfrm>
-            <a:off x="152388" y="777863"/>
-            <a:ext cx="5943612" cy="5943612"/>
-          </a:xfrm>
-          <a:prstGeom prst="rect">
-            <a:avLst/>
-          </a:prstGeom>
-        </p:spPr>
-      </p:pic>
-      <p:sp>
-        <p:nvSpPr>
-          <p:cNvPr id="2" name="Title 1"/>
-          <p:cNvSpPr>
-            <a:spLocks noGrp="1"/>
-          </p:cNvSpPr>
-          <p:nvPr>
-            <p:ph type="title"/>
-          </p:nvPr>
-        </p:nvSpPr>
-        <p:spPr>
-          <a:xfrm>
-            <a:off x="838200" y="182245"/>
-            <a:ext cx="10515600" cy="1325563"/>
-          </a:xfrm>
-        </p:spPr>
-        <p:txBody>
-          <a:bodyPr>
-            <a:normAutofit/>
-          </a:bodyPr>
-          <a:lstStyle/>
-          <a:p>
-            <a:pPr algn="ctr"/>
-            <a:r>
-              <a:rPr lang="en-US" sz="3200" dirty="0"/>
-              <a:t>Explanation of eliminating bias using figures</a:t>
-            </a:r>
-          </a:p>
-        </p:txBody>
-      </p:sp>
-      <mc:AlternateContent xmlns:mc="http://schemas.openxmlformats.org/markup-compatibility/2006" xmlns:a14="http://schemas.microsoft.com/office/drawing/2010/main">
-        <mc:Choice Requires="a14">
-          <p:sp>
-            <p:nvSpPr>
-              <p:cNvPr id="3" name="Content Placeholder 2"/>
-              <p:cNvSpPr>
-                <a:spLocks noGrp="1"/>
-              </p:cNvSpPr>
-              <p:nvPr>
-                <p:ph idx="1"/>
-              </p:nvPr>
-            </p:nvSpPr>
-            <p:spPr>
-              <a:xfrm>
-                <a:off x="6878320" y="1710525"/>
-                <a:ext cx="4759960" cy="4351338"/>
-              </a:xfrm>
-            </p:spPr>
-            <p:txBody>
-              <a:bodyPr>
-                <a:normAutofit/>
-              </a:bodyPr>
-              <a:lstStyle/>
-              <a:p>
-                <a:pPr marL="0" indent="0">
-                  <a:buNone/>
-                </a:pPr>
-                <a:r>
-                  <a:rPr lang="en-US" sz="1900" u="sng" dirty="0"/>
-                  <a:t>ANCOVA model:</a:t>
-                </a:r>
-              </a:p>
-              <a:p>
-                <a:pPr marL="0" indent="0">
-                  <a:buNone/>
-                </a:pPr>
-                <a:endParaRPr lang="en-US" sz="1900" u="sng" dirty="0"/>
-              </a:p>
-              <a:p>
-                <a:pPr marL="0" indent="0">
-                  <a:buNone/>
-                </a:pPr>
-                <a14:m>
-                  <m:oMathPara xmlns:m="http://schemas.openxmlformats.org/officeDocument/2006/math">
-                    <m:oMathParaPr>
-                      <m:jc m:val="centerGroup"/>
-                    </m:oMathParaPr>
-                    <m:oMath xmlns:m="http://schemas.openxmlformats.org/officeDocument/2006/math">
-                      <m:sSub>
-                        <m:sSubPr>
-                          <m:ctrlPr>
-                            <a:rPr lang="en-US" sz="2000" i="1">
-                              <a:latin typeface="Cambria Math" panose="02040503050406030204" pitchFamily="18" charset="0"/>
-                            </a:rPr>
-                          </m:ctrlPr>
-                        </m:sSubPr>
-                        <m:e>
-                          <m:r>
-                            <a:rPr lang="en-US" sz="2000" i="1">
-                              <a:latin typeface="Cambria Math" panose="02040503050406030204" pitchFamily="18" charset="0"/>
-                            </a:rPr>
-                            <m:t>𝑌</m:t>
-                          </m:r>
-                        </m:e>
-                        <m:sub>
-                          <m:r>
-                            <a:rPr lang="en-US" sz="2000" i="1">
-                              <a:latin typeface="Cambria Math" panose="02040503050406030204" pitchFamily="18" charset="0"/>
-                            </a:rPr>
-                            <m:t>𝑖</m:t>
-                          </m:r>
-                          <m:r>
-                            <a:rPr lang="en-US" sz="2000" b="0" i="1" smtClean="0">
-                              <a:latin typeface="Cambria Math" panose="02040503050406030204" pitchFamily="18" charset="0"/>
-                            </a:rPr>
-                            <m:t>2</m:t>
-                          </m:r>
-                        </m:sub>
-                      </m:sSub>
-                      <m:r>
-                        <a:rPr lang="nl-NL" sz="2000" i="1">
-                          <a:latin typeface="Cambria Math" panose="02040503050406030204" pitchFamily="18" charset="0"/>
-                        </a:rPr>
-                        <m:t> </m:t>
-                      </m:r>
-                      <m:r>
-                        <a:rPr lang="en-US" sz="2000" i="1">
-                          <a:latin typeface="Cambria Math" panose="02040503050406030204" pitchFamily="18" charset="0"/>
-                        </a:rPr>
-                        <m:t>=</m:t>
-                      </m:r>
-                      <m:r>
-                        <a:rPr lang="nl-NL" sz="2000" i="1">
-                          <a:latin typeface="Cambria Math" panose="02040503050406030204" pitchFamily="18" charset="0"/>
-                        </a:rPr>
-                        <m:t> </m:t>
-                      </m:r>
-                      <m:sSub>
-                        <m:sSubPr>
-                          <m:ctrlPr>
-                            <a:rPr lang="en-US" sz="2000" b="0" i="1" smtClean="0">
-                              <a:latin typeface="Cambria Math" panose="02040503050406030204" pitchFamily="18" charset="0"/>
-                            </a:rPr>
-                          </m:ctrlPr>
-                        </m:sSubPr>
-                        <m:e>
-                          <m:r>
-                            <a:rPr lang="en-US" sz="2000" i="1">
-                              <a:latin typeface="Cambria Math" panose="02040503050406030204" pitchFamily="18" charset="0"/>
-                            </a:rPr>
-                            <m:t>𝜇</m:t>
-                          </m:r>
-                        </m:e>
-                        <m:sub>
-                          <m:r>
-                            <a:rPr lang="en-US" sz="2000" b="0" i="1" smtClean="0">
-                              <a:latin typeface="Cambria Math" panose="02040503050406030204" pitchFamily="18" charset="0"/>
-                            </a:rPr>
-                            <m:t>𝑌</m:t>
-                          </m:r>
-                        </m:sub>
-                      </m:sSub>
-                      <m:r>
-                        <a:rPr lang="nl-NL" sz="2000" i="1">
-                          <a:latin typeface="Cambria Math" panose="02040503050406030204" pitchFamily="18" charset="0"/>
-                        </a:rPr>
-                        <m:t> </m:t>
-                      </m:r>
-                      <m:r>
-                        <a:rPr lang="en-US" sz="2000" i="1">
-                          <a:latin typeface="Cambria Math" panose="02040503050406030204" pitchFamily="18" charset="0"/>
-                        </a:rPr>
-                        <m:t>+</m:t>
-                      </m:r>
-                      <m:sSub>
-                        <m:sSubPr>
-                          <m:ctrlPr>
-                            <a:rPr lang="en-US" sz="2000" i="1">
-                              <a:latin typeface="Cambria Math" panose="02040503050406030204" pitchFamily="18" charset="0"/>
-                            </a:rPr>
-                          </m:ctrlPr>
-                        </m:sSubPr>
-                        <m:e>
-                          <m:r>
-                            <a:rPr lang="en-US" sz="2000" i="1">
-                              <a:latin typeface="Cambria Math" panose="02040503050406030204" pitchFamily="18" charset="0"/>
-                            </a:rPr>
-                            <m:t>𝛼</m:t>
-                          </m:r>
-                          <m:r>
-                            <a:rPr lang="en-US" sz="2000" b="0" i="1" smtClean="0">
-                              <a:latin typeface="Cambria Math" panose="02040503050406030204" pitchFamily="18" charset="0"/>
-                            </a:rPr>
-                            <m:t>′</m:t>
-                          </m:r>
-                        </m:e>
-                        <m:sub>
-                          <m:r>
-                            <a:rPr lang="en-US" sz="2000" b="0" i="1" smtClean="0">
-                              <a:latin typeface="Cambria Math" panose="02040503050406030204" pitchFamily="18" charset="0"/>
-                            </a:rPr>
-                            <m:t>2</m:t>
-                          </m:r>
-                        </m:sub>
-                      </m:sSub>
-                      <m:r>
-                        <a:rPr lang="en-US" sz="2000" i="1">
-                          <a:latin typeface="Cambria Math" panose="02040503050406030204" pitchFamily="18" charset="0"/>
-                        </a:rPr>
-                        <m:t>+</m:t>
-                      </m:r>
-                      <m:r>
-                        <a:rPr lang="nl-NL" sz="2000" i="1">
-                          <a:latin typeface="Cambria Math" panose="02040503050406030204" pitchFamily="18" charset="0"/>
-                        </a:rPr>
-                        <m:t> </m:t>
-                      </m:r>
-                      <m:sSub>
-                        <m:sSubPr>
-                          <m:ctrlPr>
-                            <a:rPr lang="en-US" sz="2000" b="0" i="1" smtClean="0">
-                              <a:latin typeface="Cambria Math" panose="02040503050406030204" pitchFamily="18" charset="0"/>
-                              <a:ea typeface="Cambria Math" panose="02040503050406030204" pitchFamily="18" charset="0"/>
-                            </a:rPr>
-                          </m:ctrlPr>
-                        </m:sSubPr>
-                        <m:e>
-                          <m:r>
-                            <a:rPr lang="nl-NL" sz="2000" i="1" smtClean="0">
-                              <a:latin typeface="Cambria Math" panose="02040503050406030204" pitchFamily="18" charset="0"/>
-                              <a:ea typeface="Cambria Math" panose="02040503050406030204" pitchFamily="18" charset="0"/>
-                            </a:rPr>
-                            <m:t>𝛽</m:t>
-                          </m:r>
-                        </m:e>
-                        <m:sub>
-                          <m:r>
-                            <a:rPr lang="en-US" sz="2000" b="0" i="1" smtClean="0">
-                              <a:latin typeface="Cambria Math" panose="02040503050406030204" pitchFamily="18" charset="0"/>
-                              <a:ea typeface="Cambria Math" panose="02040503050406030204" pitchFamily="18" charset="0"/>
-                            </a:rPr>
-                            <m:t>𝑊</m:t>
-                          </m:r>
-                        </m:sub>
-                      </m:sSub>
-                      <m:d>
-                        <m:dPr>
-                          <m:ctrlPr>
-                            <a:rPr lang="en-US" sz="2000" b="0" i="1" smtClean="0">
-                              <a:latin typeface="Cambria Math" panose="02040503050406030204" pitchFamily="18" charset="0"/>
-                              <a:ea typeface="Cambria Math" panose="02040503050406030204" pitchFamily="18" charset="0"/>
-                            </a:rPr>
-                          </m:ctrlPr>
-                        </m:dPr>
-                        <m:e>
-                          <m:sSub>
-                            <m:sSubPr>
-                              <m:ctrlPr>
-                                <a:rPr lang="en-US" sz="2000" b="0" i="1" smtClean="0">
-                                  <a:latin typeface="Cambria Math" panose="02040503050406030204" pitchFamily="18" charset="0"/>
-                                  <a:ea typeface="Cambria Math" panose="02040503050406030204" pitchFamily="18" charset="0"/>
-                                </a:rPr>
-                              </m:ctrlPr>
-                            </m:sSubPr>
-                            <m:e>
-                              <m:r>
-                                <a:rPr lang="en-US" sz="2000" b="0" i="1" smtClean="0">
-                                  <a:latin typeface="Cambria Math" panose="02040503050406030204" pitchFamily="18" charset="0"/>
-                                  <a:ea typeface="Cambria Math" panose="02040503050406030204" pitchFamily="18" charset="0"/>
-                                </a:rPr>
-                                <m:t>𝑋</m:t>
-                              </m:r>
-                            </m:e>
-                            <m:sub>
-                              <m:r>
-                                <a:rPr lang="en-US" sz="2000" b="0" i="1" smtClean="0">
-                                  <a:latin typeface="Cambria Math" panose="02040503050406030204" pitchFamily="18" charset="0"/>
-                                  <a:ea typeface="Cambria Math" panose="02040503050406030204" pitchFamily="18" charset="0"/>
-                                </a:rPr>
-                                <m:t>𝑖</m:t>
-                              </m:r>
-                              <m:r>
-                                <a:rPr lang="en-US" sz="2000" b="0" i="1" smtClean="0">
-                                  <a:latin typeface="Cambria Math" panose="02040503050406030204" pitchFamily="18" charset="0"/>
-                                  <a:ea typeface="Cambria Math" panose="02040503050406030204" pitchFamily="18" charset="0"/>
-                                </a:rPr>
-                                <m:t>2</m:t>
-                              </m:r>
-                            </m:sub>
-                          </m:sSub>
-                          <m:r>
-                            <a:rPr lang="en-US" sz="2000" b="0" i="1" smtClean="0">
-                              <a:latin typeface="Cambria Math" panose="02040503050406030204" pitchFamily="18" charset="0"/>
-                              <a:ea typeface="Cambria Math" panose="02040503050406030204" pitchFamily="18" charset="0"/>
-                            </a:rPr>
-                            <m:t>−</m:t>
-                          </m:r>
-                          <m:sSub>
-                            <m:sSubPr>
-                              <m:ctrlPr>
-                                <a:rPr lang="en-US" sz="2000" b="0" i="1" smtClean="0">
-                                  <a:latin typeface="Cambria Math" panose="02040503050406030204" pitchFamily="18" charset="0"/>
-                                  <a:ea typeface="Cambria Math" panose="02040503050406030204" pitchFamily="18" charset="0"/>
-                                </a:rPr>
-                              </m:ctrlPr>
-                            </m:sSubPr>
-                            <m:e>
-                              <m:r>
-                                <a:rPr lang="en-US" sz="2000" b="0" i="1" smtClean="0">
-                                  <a:latin typeface="Cambria Math" panose="02040503050406030204" pitchFamily="18" charset="0"/>
-                                  <a:ea typeface="Cambria Math" panose="02040503050406030204" pitchFamily="18" charset="0"/>
-                                </a:rPr>
-                                <m:t>𝜇</m:t>
-                              </m:r>
-                            </m:e>
-                            <m:sub>
-                              <m:r>
-                                <a:rPr lang="en-US" sz="2000" b="0" i="1" smtClean="0">
-                                  <a:latin typeface="Cambria Math" panose="02040503050406030204" pitchFamily="18" charset="0"/>
-                                  <a:ea typeface="Cambria Math" panose="02040503050406030204" pitchFamily="18" charset="0"/>
-                                </a:rPr>
-                                <m:t>𝑋</m:t>
-                              </m:r>
-                            </m:sub>
-                          </m:sSub>
-                        </m:e>
-                      </m:d>
-                      <m:r>
-                        <a:rPr lang="en-US" sz="2000" b="0" i="1" smtClean="0">
-                          <a:latin typeface="Cambria Math" panose="02040503050406030204" pitchFamily="18" charset="0"/>
-                          <a:ea typeface="Cambria Math" panose="02040503050406030204" pitchFamily="18" charset="0"/>
-                        </a:rPr>
-                        <m:t>+</m:t>
-                      </m:r>
-                      <m:sSub>
-                        <m:sSubPr>
-                          <m:ctrlPr>
-                            <a:rPr lang="en-US" sz="2000" i="1">
-                              <a:latin typeface="Cambria Math" panose="02040503050406030204" pitchFamily="18" charset="0"/>
-                            </a:rPr>
-                          </m:ctrlPr>
-                        </m:sSubPr>
-                        <m:e>
-                          <m:r>
-                            <a:rPr lang="en-US" sz="2000" i="1">
-                              <a:latin typeface="Cambria Math" panose="02040503050406030204" pitchFamily="18" charset="0"/>
-                            </a:rPr>
-                            <m:t>𝜀</m:t>
-                          </m:r>
-                        </m:e>
-                        <m:sub>
-                          <m:r>
-                            <a:rPr lang="en-US" sz="2000" i="1">
-                              <a:latin typeface="Cambria Math" panose="02040503050406030204" pitchFamily="18" charset="0"/>
-                            </a:rPr>
-                            <m:t>𝑖</m:t>
-                          </m:r>
-                          <m:r>
-                            <a:rPr lang="en-US" sz="2000" b="0" i="1" smtClean="0">
-                              <a:latin typeface="Cambria Math" panose="02040503050406030204" pitchFamily="18" charset="0"/>
-                            </a:rPr>
-                            <m:t>2</m:t>
-                          </m:r>
-                        </m:sub>
-                      </m:sSub>
-                    </m:oMath>
-                  </m:oMathPara>
-                </a14:m>
-                <a:endParaRPr lang="en-US" sz="1900" u="sng" dirty="0"/>
-              </a:p>
-              <a:p>
-                <a:pPr marL="0" indent="0">
-                  <a:buNone/>
-                </a:pPr>
-                <a:endParaRPr lang="en-US" sz="1900" u="sng" dirty="0"/>
-              </a:p>
-              <a:p>
-                <a:pPr marL="0" indent="0">
-                  <a:buNone/>
-                </a:pPr>
-                <a:endParaRPr lang="en-US" sz="1900" u="sng" dirty="0"/>
-              </a:p>
-              <a:p>
-                <a:pPr marL="0" indent="0">
-                  <a:buNone/>
-                </a:pPr>
-                <a:endParaRPr lang="en-US" sz="1900" u="sng" dirty="0"/>
-              </a:p>
-              <a:p>
-                <a:pPr marL="0" indent="0">
-                  <a:buNone/>
-                </a:pPr>
-                <a:endParaRPr lang="en-US" sz="1900" u="sng" dirty="0"/>
-              </a:p>
-            </p:txBody>
-          </p:sp>
-        </mc:Choice>
-        <mc:Fallback xmlns="">
-          <p:sp>
-            <p:nvSpPr>
-              <p:cNvPr id="3" name="Content Placeholder 2"/>
-              <p:cNvSpPr>
-                <a:spLocks noGrp="1" noRot="1" noChangeAspect="1" noMove="1" noResize="1" noEditPoints="1" noAdjustHandles="1" noChangeArrowheads="1" noChangeShapeType="1" noTextEdit="1"/>
-              </p:cNvSpPr>
-              <p:nvPr>
-                <p:ph idx="1"/>
-              </p:nvPr>
-            </p:nvSpPr>
-            <p:spPr>
-              <a:xfrm>
-                <a:off x="6878320" y="1710525"/>
-                <a:ext cx="4759960" cy="4351338"/>
-              </a:xfrm>
-              <a:blipFill>
-                <a:blip r:embed="rId3"/>
-                <a:stretch>
-                  <a:fillRect l="-1152" t="-1403"/>
-                </a:stretch>
-              </a:blipFill>
-            </p:spPr>
-            <p:txBody>
-              <a:bodyPr/>
-              <a:lstStyle/>
-              <a:p>
-                <a:r>
-                  <a:rPr lang="nl-NL">
-                    <a:noFill/>
-                  </a:rPr>
-                  <a:t> </a:t>
-                </a:r>
-              </a:p>
-            </p:txBody>
-          </p:sp>
-        </mc:Fallback>
-      </mc:AlternateContent>
-      <p:sp>
-        <p:nvSpPr>
-          <p:cNvPr id="4" name="Footer Placeholder 3"/>
-          <p:cNvSpPr>
-            <a:spLocks noGrp="1"/>
-          </p:cNvSpPr>
-          <p:nvPr>
-            <p:ph type="ftr" sz="quarter" idx="11"/>
-          </p:nvPr>
-        </p:nvSpPr>
-        <p:spPr/>
-        <p:txBody>
-          <a:bodyPr/>
-          <a:lstStyle/>
-          <a:p>
-            <a:r>
-              <a:rPr lang="en-US" dirty="0"/>
-              <a:t>Lecture 8, ERM, MTO</a:t>
-            </a:r>
-          </a:p>
-        </p:txBody>
-      </p:sp>
-      <p:sp>
-        <p:nvSpPr>
-          <p:cNvPr id="5" name="Slide Number Placeholder 4"/>
-          <p:cNvSpPr>
-            <a:spLocks noGrp="1"/>
-          </p:cNvSpPr>
-          <p:nvPr>
-            <p:ph type="sldNum" sz="quarter" idx="12"/>
-          </p:nvPr>
-        </p:nvSpPr>
-        <p:spPr/>
-        <p:txBody>
-          <a:bodyPr/>
-          <a:lstStyle/>
-          <a:p>
-            <a:fld id="{769E8580-8357-4286-A896-D8F0D06AAB1A}" type="slidenum">
-              <a:rPr lang="en-US" smtClean="0"/>
-              <a:t>5</a:t>
-            </a:fld>
-            <a:endParaRPr lang="en-US" dirty="0"/>
-          </a:p>
-        </p:txBody>
-      </p:sp>
-    </p:spTree>
-    <p:extLst>
-      <p:ext uri="{BB962C8B-B14F-4D97-AF65-F5344CB8AC3E}">
-        <p14:creationId xmlns:p14="http://schemas.microsoft.com/office/powerpoint/2010/main" val="806712148"/>
+        <p14:creationId xmlns:p14="http://schemas.microsoft.com/office/powerpoint/2010/main" val="3925688186"/>
       </p:ext>
     </p:extLst>
   </p:cSld>
